--- a/87. Why Route Parameters are Observables.pptx
+++ b/87. Why Route Parameters are Observables.pptx
@@ -4795,7 +4795,7 @@
         </p:nvSpPr>
         <p:spPr>
           <a:xfrm>
-            <a:off x="2994991" y="3935896"/>
+            <a:off x="2994991" y="4055166"/>
             <a:ext cx="5878532" cy="646331"/>
           </a:xfrm>
           <a:prstGeom prst="rect">
